--- a/Presentations/MASTER_SLIDES.pptx
+++ b/Presentations/MASTER_SLIDES.pptx
@@ -5,18 +5,10 @@
     <p:sldMasterId id="2147483678" r:id="rId4"/>
   </p:sldMasterIdLst>
   <p:notesMasterIdLst>
-    <p:notesMasterId r:id="rId14"/>
+    <p:notesMasterId r:id="rId6"/>
   </p:notesMasterIdLst>
   <p:sldIdLst>
     <p:sldId id="256" r:id="rId5"/>
-    <p:sldId id="257" r:id="rId6"/>
-    <p:sldId id="258" r:id="rId7"/>
-    <p:sldId id="259" r:id="rId8"/>
-    <p:sldId id="260" r:id="rId9"/>
-    <p:sldId id="261" r:id="rId10"/>
-    <p:sldId id="262" r:id="rId11"/>
-    <p:sldId id="263" r:id="rId12"/>
-    <p:sldId id="264" r:id="rId13"/>
   </p:sldIdLst>
   <p:sldSz cx="12192000" cy="6858000"/>
   <p:notesSz cx="6858000" cy="9144000"/>
@@ -117,7 +109,18 @@
   </p:defaultTextStyle>
   <p:extLst>
     <p:ext uri="{EFAFB233-063F-42B5-8137-9DF3F51BA10A}">
-      <p15:sldGuideLst xmlns:p15="http://schemas.microsoft.com/office/powerpoint/2012/main" xmlns=""/>
+      <p15:sldGuideLst xmlns:p15="http://schemas.microsoft.com/office/powerpoint/2012/main">
+        <p15:guide id="1" orient="horz" pos="2160">
+          <p15:clr>
+            <a:srgbClr val="A4A3A4"/>
+          </p15:clr>
+        </p15:guide>
+        <p15:guide id="2" pos="3840">
+          <p15:clr>
+            <a:srgbClr val="A4A3A4"/>
+          </p15:clr>
+        </p15:guide>
+      </p15:sldGuideLst>
     </p:ext>
   </p:extLst>
 </p:presentation>
@@ -206,7 +209,7 @@
             <a:fld id="{EDEAC965-93D5-4BF2-BEB3-753A18A2DA84}" type="datetimeFigureOut">
               <a:rPr lang="en-US" smtClean="0"/>
               <a:pPr/>
-              <a:t>7/23/2014</a:t>
+              <a:t>11/16/2014</a:t>
             </a:fld>
             <a:endParaRPr lang="en-US" dirty="0"/>
           </a:p>
@@ -375,7 +378,7 @@
     </p:spTree>
     <p:extLst>
       <p:ext uri="{BB962C8B-B14F-4D97-AF65-F5344CB8AC3E}">
-        <p14:creationId xmlns:p14="http://schemas.microsoft.com/office/powerpoint/2010/main" xmlns="" val="1007701251"/>
+        <p14:creationId xmlns:p14="http://schemas.microsoft.com/office/powerpoint/2010/main" val="1007701251"/>
       </p:ext>
     </p:extLst>
   </p:cSld>
@@ -519,7 +522,7 @@
           <a:bodyPr/>
           <a:lstStyle/>
           <a:p>
-            <a:endParaRPr lang="en-US" dirty="0"/>
+            <a:endParaRPr lang="en-US"/>
           </a:p>
         </p:txBody>
       </p:sp>
@@ -540,17 +543,16 @@
           <a:p>
             <a:fld id="{23782511-E6CA-4337-83DD-3F4EDFA36EC0}" type="slidenum">
               <a:rPr lang="en-US" smtClean="0"/>
-              <a:pPr/>
               <a:t>1</a:t>
             </a:fld>
-            <a:endParaRPr lang="en-US" dirty="0"/>
+            <a:endParaRPr lang="en-US"/>
           </a:p>
         </p:txBody>
       </p:sp>
     </p:spTree>
     <p:extLst>
       <p:ext uri="{BB962C8B-B14F-4D97-AF65-F5344CB8AC3E}">
-        <p14:creationId xmlns:p14="http://schemas.microsoft.com/office/powerpoint/2010/main" xmlns="" val="1906388095"/>
+        <p14:creationId xmlns:p14="http://schemas.microsoft.com/office/powerpoint/2010/main" val="3219558672"/>
       </p:ext>
     </p:extLst>
   </p:cSld>
@@ -1063,7 +1065,7 @@
             <a:fld id="{20B296D5-E3CF-4672-8939-A7C2F0F5EC5D}" type="datetime1">
               <a:rPr lang="en-US" smtClean="0"/>
               <a:pPr/>
-              <a:t>7/23/2014</a:t>
+              <a:t>11/16/2014</a:t>
             </a:fld>
             <a:endParaRPr lang="en-US" dirty="0"/>
           </a:p>
@@ -1120,7 +1122,7 @@
     </p:spTree>
     <p:extLst>
       <p:ext uri="{BB962C8B-B14F-4D97-AF65-F5344CB8AC3E}">
-        <p14:creationId xmlns:p14="http://schemas.microsoft.com/office/powerpoint/2010/main" xmlns="" val="2159735158"/>
+        <p14:creationId xmlns:p14="http://schemas.microsoft.com/office/powerpoint/2010/main" val="2159735158"/>
       </p:ext>
     </p:extLst>
   </p:cSld>
@@ -1361,7 +1363,7 @@
             <a:fld id="{28A02E2E-7E1A-4CF8-B33B-7A3A0C846DC2}" type="datetime1">
               <a:rPr lang="en-US" smtClean="0"/>
               <a:pPr/>
-              <a:t>7/23/2014</a:t>
+              <a:t>11/16/2014</a:t>
             </a:fld>
             <a:endParaRPr lang="en-US" dirty="0"/>
           </a:p>
@@ -1413,7 +1415,7 @@
     </p:spTree>
     <p:extLst>
       <p:ext uri="{BB962C8B-B14F-4D97-AF65-F5344CB8AC3E}">
-        <p14:creationId xmlns:p14="http://schemas.microsoft.com/office/powerpoint/2010/main" xmlns="" val="3238449355"/>
+        <p14:creationId xmlns:p14="http://schemas.microsoft.com/office/powerpoint/2010/main" val="3238449355"/>
       </p:ext>
     </p:extLst>
   </p:cSld>
@@ -1611,7 +1613,7 @@
             <a:fld id="{8CE046AC-902E-42C0-88FC-A13213B32EAE}" type="datetime1">
               <a:rPr lang="en-US" smtClean="0"/>
               <a:pPr/>
-              <a:t>7/23/2014</a:t>
+              <a:t>11/16/2014</a:t>
             </a:fld>
             <a:endParaRPr lang="en-US" dirty="0"/>
           </a:p>
@@ -1663,7 +1665,7 @@
     </p:spTree>
     <p:extLst>
       <p:ext uri="{BB962C8B-B14F-4D97-AF65-F5344CB8AC3E}">
-        <p14:creationId xmlns:p14="http://schemas.microsoft.com/office/powerpoint/2010/main" xmlns="" val="2004059547"/>
+        <p14:creationId xmlns:p14="http://schemas.microsoft.com/office/powerpoint/2010/main" val="2004059547"/>
       </p:ext>
     </p:extLst>
   </p:cSld>
@@ -2153,7 +2155,7 @@
             <a:fld id="{31A6F805-971A-403C-A032-DEFF7CF3C983}" type="datetime1">
               <a:rPr lang="en-US" smtClean="0"/>
               <a:pPr/>
-              <a:t>7/23/2014</a:t>
+              <a:t>11/16/2014</a:t>
             </a:fld>
             <a:endParaRPr lang="en-US" dirty="0"/>
           </a:p>
@@ -2205,7 +2207,7 @@
     </p:spTree>
     <p:extLst>
       <p:ext uri="{BB962C8B-B14F-4D97-AF65-F5344CB8AC3E}">
-        <p14:creationId xmlns:p14="http://schemas.microsoft.com/office/powerpoint/2010/main" xmlns="" val="2001935676"/>
+        <p14:creationId xmlns:p14="http://schemas.microsoft.com/office/powerpoint/2010/main" val="2001935676"/>
       </p:ext>
     </p:extLst>
   </p:cSld>
@@ -2403,7 +2405,7 @@
             <a:fld id="{A47BC926-D3EC-4D9D-A99F-9E843187F3B0}" type="datetime1">
               <a:rPr lang="en-US" smtClean="0"/>
               <a:pPr/>
-              <a:t>7/23/2014</a:t>
+              <a:t>11/16/2014</a:t>
             </a:fld>
             <a:endParaRPr lang="en-US" dirty="0"/>
           </a:p>
@@ -2455,7 +2457,7 @@
     </p:spTree>
     <p:extLst>
       <p:ext uri="{BB962C8B-B14F-4D97-AF65-F5344CB8AC3E}">
-        <p14:creationId xmlns:p14="http://schemas.microsoft.com/office/powerpoint/2010/main" xmlns="" val="2336473045"/>
+        <p14:creationId xmlns:p14="http://schemas.microsoft.com/office/powerpoint/2010/main" val="2336473045"/>
       </p:ext>
     </p:extLst>
   </p:cSld>
@@ -2937,7 +2939,7 @@
             <a:fld id="{706D8B8A-C6A1-4E34-A79C-7660F8ED0256}" type="datetime1">
               <a:rPr lang="en-US" smtClean="0"/>
               <a:pPr/>
-              <a:t>7/23/2014</a:t>
+              <a:t>11/16/2014</a:t>
             </a:fld>
             <a:endParaRPr lang="en-US" dirty="0"/>
           </a:p>
@@ -2989,7 +2991,7 @@
     </p:spTree>
     <p:extLst>
       <p:ext uri="{BB962C8B-B14F-4D97-AF65-F5344CB8AC3E}">
-        <p14:creationId xmlns:p14="http://schemas.microsoft.com/office/powerpoint/2010/main" xmlns="" val="2369317818"/>
+        <p14:creationId xmlns:p14="http://schemas.microsoft.com/office/powerpoint/2010/main" val="2369317818"/>
       </p:ext>
     </p:extLst>
   </p:cSld>
@@ -3236,7 +3238,7 @@
             <a:fld id="{F4BE39B4-CFBF-45CF-82E8-4594DA2BC016}" type="datetime1">
               <a:rPr lang="en-US" smtClean="0"/>
               <a:pPr/>
-              <a:t>7/23/2014</a:t>
+              <a:t>11/16/2014</a:t>
             </a:fld>
             <a:endParaRPr lang="en-US" dirty="0"/>
           </a:p>
@@ -3288,7 +3290,7 @@
     </p:spTree>
     <p:extLst>
       <p:ext uri="{BB962C8B-B14F-4D97-AF65-F5344CB8AC3E}">
-        <p14:creationId xmlns:p14="http://schemas.microsoft.com/office/powerpoint/2010/main" xmlns="" val="2398190957"/>
+        <p14:creationId xmlns:p14="http://schemas.microsoft.com/office/powerpoint/2010/main" val="2398190957"/>
       </p:ext>
     </p:extLst>
   </p:cSld>
@@ -3412,7 +3414,7 @@
             <a:fld id="{DE0C5273-F1EA-4469-BB96-269557B0EFD7}" type="datetime1">
               <a:rPr lang="en-US" smtClean="0"/>
               <a:pPr/>
-              <a:t>7/23/2014</a:t>
+              <a:t>11/16/2014</a:t>
             </a:fld>
             <a:endParaRPr lang="en-US" dirty="0"/>
           </a:p>
@@ -3464,7 +3466,7 @@
     </p:spTree>
     <p:extLst>
       <p:ext uri="{BB962C8B-B14F-4D97-AF65-F5344CB8AC3E}">
-        <p14:creationId xmlns:p14="http://schemas.microsoft.com/office/powerpoint/2010/main" xmlns="" val="1414718119"/>
+        <p14:creationId xmlns:p14="http://schemas.microsoft.com/office/powerpoint/2010/main" val="1414718119"/>
       </p:ext>
     </p:extLst>
   </p:cSld>
@@ -3594,7 +3596,7 @@
             <a:fld id="{A151EF98-F8EA-4C17-B600-10F3495D73A0}" type="datetime1">
               <a:rPr lang="en-US" smtClean="0"/>
               <a:pPr/>
-              <a:t>7/23/2014</a:t>
+              <a:t>11/16/2014</a:t>
             </a:fld>
             <a:endParaRPr lang="en-US" dirty="0"/>
           </a:p>
@@ -3646,7 +3648,7 @@
     </p:spTree>
     <p:extLst>
       <p:ext uri="{BB962C8B-B14F-4D97-AF65-F5344CB8AC3E}">
-        <p14:creationId xmlns:p14="http://schemas.microsoft.com/office/powerpoint/2010/main" xmlns="" val="1650288084"/>
+        <p14:creationId xmlns:p14="http://schemas.microsoft.com/office/powerpoint/2010/main" val="1650288084"/>
       </p:ext>
     </p:extLst>
   </p:cSld>
@@ -3792,7 +3794,7 @@
             <a:fld id="{573D28D5-0840-4988-BF4D-6D4AA1076FF1}" type="datetime1">
               <a:rPr lang="en-US" smtClean="0"/>
               <a:pPr/>
-              <a:t>7/23/2014</a:t>
+              <a:t>11/16/2014</a:t>
             </a:fld>
             <a:endParaRPr lang="en-US" dirty="0"/>
           </a:p>
@@ -3849,7 +3851,7 @@
     </p:spTree>
     <p:extLst>
       <p:ext uri="{BB962C8B-B14F-4D97-AF65-F5344CB8AC3E}">
-        <p14:creationId xmlns:p14="http://schemas.microsoft.com/office/powerpoint/2010/main" xmlns="" val="2618596427"/>
+        <p14:creationId xmlns:p14="http://schemas.microsoft.com/office/powerpoint/2010/main" val="2618596427"/>
       </p:ext>
     </p:extLst>
   </p:cSld>
@@ -4047,7 +4049,7 @@
             <a:fld id="{9F96B093-F3D2-4BE9-838E-E3D4B84B74A6}" type="datetime1">
               <a:rPr lang="en-US" smtClean="0"/>
               <a:pPr/>
-              <a:t>7/23/2014</a:t>
+              <a:t>11/16/2014</a:t>
             </a:fld>
             <a:endParaRPr lang="en-US" dirty="0"/>
           </a:p>
@@ -4099,7 +4101,7 @@
     </p:spTree>
     <p:extLst>
       <p:ext uri="{BB962C8B-B14F-4D97-AF65-F5344CB8AC3E}">
-        <p14:creationId xmlns:p14="http://schemas.microsoft.com/office/powerpoint/2010/main" xmlns="" val="559461267"/>
+        <p14:creationId xmlns:p14="http://schemas.microsoft.com/office/powerpoint/2010/main" val="559461267"/>
       </p:ext>
     </p:extLst>
   </p:cSld>
@@ -4352,7 +4354,7 @@
             <a:fld id="{BE18AAB6-E895-4CF5-8797-8DBFC83C491D}" type="datetime1">
               <a:rPr lang="en-US" smtClean="0"/>
               <a:pPr/>
-              <a:t>7/23/2014</a:t>
+              <a:t>11/16/2014</a:t>
             </a:fld>
             <a:endParaRPr lang="en-US" dirty="0"/>
           </a:p>
@@ -4404,7 +4406,7 @@
     </p:spTree>
     <p:extLst>
       <p:ext uri="{BB962C8B-B14F-4D97-AF65-F5344CB8AC3E}">
-        <p14:creationId xmlns:p14="http://schemas.microsoft.com/office/powerpoint/2010/main" xmlns="" val="1394586081"/>
+        <p14:creationId xmlns:p14="http://schemas.microsoft.com/office/powerpoint/2010/main" val="1394586081"/>
       </p:ext>
     </p:extLst>
   </p:cSld>
@@ -4796,7 +4798,7 @@
             <a:fld id="{72210C82-80B6-439C-A993-8C06E994D74A}" type="datetime1">
               <a:rPr lang="en-US" smtClean="0"/>
               <a:pPr/>
-              <a:t>7/23/2014</a:t>
+              <a:t>11/16/2014</a:t>
             </a:fld>
             <a:endParaRPr lang="en-US" dirty="0"/>
           </a:p>
@@ -4848,7 +4850,7 @@
     </p:spTree>
     <p:extLst>
       <p:ext uri="{BB962C8B-B14F-4D97-AF65-F5344CB8AC3E}">
-        <p14:creationId xmlns:p14="http://schemas.microsoft.com/office/powerpoint/2010/main" xmlns="" val="2295292164"/>
+        <p14:creationId xmlns:p14="http://schemas.microsoft.com/office/powerpoint/2010/main" val="2295292164"/>
       </p:ext>
     </p:extLst>
   </p:cSld>
@@ -4916,7 +4918,7 @@
             <a:fld id="{24A3ABEB-97E0-4DED-AEF3-FAB70F021CC7}" type="datetime1">
               <a:rPr lang="en-US" smtClean="0"/>
               <a:pPr/>
-              <a:t>7/23/2014</a:t>
+              <a:t>11/16/2014</a:t>
             </a:fld>
             <a:endParaRPr lang="en-US" dirty="0"/>
           </a:p>
@@ -4968,7 +4970,7 @@
     </p:spTree>
     <p:extLst>
       <p:ext uri="{BB962C8B-B14F-4D97-AF65-F5344CB8AC3E}">
-        <p14:creationId xmlns:p14="http://schemas.microsoft.com/office/powerpoint/2010/main" xmlns="" val="1735399666"/>
+        <p14:creationId xmlns:p14="http://schemas.microsoft.com/office/powerpoint/2010/main" val="1735399666"/>
       </p:ext>
     </p:extLst>
   </p:cSld>
@@ -5013,7 +5015,7 @@
             <a:fld id="{FFC76860-5976-4A44-8E7A-96795D52A085}" type="datetime1">
               <a:rPr lang="en-US" smtClean="0"/>
               <a:pPr/>
-              <a:t>7/23/2014</a:t>
+              <a:t>11/16/2014</a:t>
             </a:fld>
             <a:endParaRPr lang="en-US" dirty="0"/>
           </a:p>
@@ -5065,7 +5067,7 @@
     </p:spTree>
     <p:extLst>
       <p:ext uri="{BB962C8B-B14F-4D97-AF65-F5344CB8AC3E}">
-        <p14:creationId xmlns:p14="http://schemas.microsoft.com/office/powerpoint/2010/main" xmlns="" val="3927313231"/>
+        <p14:creationId xmlns:p14="http://schemas.microsoft.com/office/powerpoint/2010/main" val="3927313231"/>
       </p:ext>
     </p:extLst>
   </p:cSld>
@@ -5298,7 +5300,7 @@
             <a:fld id="{D041843B-E1B4-43C8-9F5C-31408ABDC424}" type="datetime1">
               <a:rPr lang="en-US" smtClean="0"/>
               <a:pPr/>
-              <a:t>7/23/2014</a:t>
+              <a:t>11/16/2014</a:t>
             </a:fld>
             <a:endParaRPr lang="en-US" dirty="0"/>
           </a:p>
@@ -5350,7 +5352,7 @@
     </p:spTree>
     <p:extLst>
       <p:ext uri="{BB962C8B-B14F-4D97-AF65-F5344CB8AC3E}">
-        <p14:creationId xmlns:p14="http://schemas.microsoft.com/office/powerpoint/2010/main" xmlns="" val="1948502171"/>
+        <p14:creationId xmlns:p14="http://schemas.microsoft.com/office/powerpoint/2010/main" val="1948502171"/>
       </p:ext>
     </p:extLst>
   </p:cSld>
@@ -5591,7 +5593,7 @@
             <a:fld id="{731A8D32-FC45-449B-9B90-E5553677A65C}" type="datetime1">
               <a:rPr lang="en-US" smtClean="0"/>
               <a:pPr/>
-              <a:t>7/23/2014</a:t>
+              <a:t>11/16/2014</a:t>
             </a:fld>
             <a:endParaRPr lang="en-US" dirty="0"/>
           </a:p>
@@ -5643,7 +5645,7 @@
     </p:spTree>
     <p:extLst>
       <p:ext uri="{BB962C8B-B14F-4D97-AF65-F5344CB8AC3E}">
-        <p14:creationId xmlns:p14="http://schemas.microsoft.com/office/powerpoint/2010/main" xmlns="" val="2435377897"/>
+        <p14:creationId xmlns:p14="http://schemas.microsoft.com/office/powerpoint/2010/main" val="2435377897"/>
       </p:ext>
     </p:extLst>
   </p:cSld>
@@ -6123,7 +6125,7 @@
             <a:fld id="{5E17704D-19AD-47EC-889C-2F8A90D9F71A}" type="datetime1">
               <a:rPr lang="en-US" smtClean="0"/>
               <a:pPr/>
-              <a:t>7/23/2014</a:t>
+              <a:t>11/16/2014</a:t>
             </a:fld>
             <a:endParaRPr lang="en-US" dirty="0"/>
           </a:p>
@@ -6211,7 +6213,7 @@
     </p:spTree>
     <p:extLst>
       <p:ext uri="{BB962C8B-B14F-4D97-AF65-F5344CB8AC3E}">
-        <p14:creationId xmlns:p14="http://schemas.microsoft.com/office/powerpoint/2010/main" xmlns="" val="3056637581"/>
+        <p14:creationId xmlns:p14="http://schemas.microsoft.com/office/powerpoint/2010/main" val="3056637581"/>
       </p:ext>
     </p:extLst>
   </p:cSld>
@@ -6669,21 +6671,28 @@
         <p:spPr/>
         <p:txBody>
           <a:bodyPr>
-            <a:normAutofit fontScale="90000"/>
+            <a:normAutofit/>
           </a:bodyPr>
           <a:lstStyle/>
           <a:p>
             <a:r>
+              <a:rPr lang="en-US" dirty="0"/>
+              <a:t>Project PAM </a:t>
+            </a:r>
+            <a:r>
               <a:rPr lang="en-US" dirty="0" smtClean="0"/>
-              <a:t>Analysis of the Fuel Economy Benefit of </a:t>
-            </a:r>
-            <a:r>
+              <a:t/>
+            </a:r>
+            <a:br>
               <a:rPr lang="en-US" dirty="0" smtClean="0"/>
-              <a:t>Drivetrain</a:t>
+            </a:br>
+            <a:r>
+              <a:rPr lang="en-US" sz="4000" dirty="0" smtClean="0"/>
+              <a:t>Ref: SP14-75-3DPR</a:t>
             </a:r>
             <a:r>
               <a:rPr lang="en-US" dirty="0" smtClean="0"/>
-              <a:t> Hybridization</a:t>
+              <a:t> </a:t>
             </a:r>
             <a:endParaRPr lang="en-US" dirty="0"/>
           </a:p>
@@ -6707,17 +6716,57 @@
           <a:lstStyle/>
           <a:p>
             <a:r>
+              <a:rPr lang="en-US" dirty="0"/>
+              <a:t>Daniel Olsen (</a:t>
+            </a:r>
+            <a:r>
               <a:rPr lang="en-US" dirty="0" smtClean="0"/>
-              <a:t>Pages 6-13</a:t>
-            </a:r>
-          </a:p>
-          <a:p>
-            <a:endParaRPr lang="en-US" dirty="0" smtClean="0"/>
-          </a:p>
-          <a:p>
+              <a:t>CE), Nicholas </a:t>
+            </a:r>
+            <a:r>
+              <a:rPr lang="en-US" dirty="0"/>
+              <a:t>Lowman (CE</a:t>
+            </a:r>
             <a:r>
               <a:rPr lang="en-US" dirty="0" smtClean="0"/>
-              <a:t>Casey Spencer</a:t>
+              <a:t>) </a:t>
+            </a:r>
+            <a:endParaRPr lang="en-US" dirty="0"/>
+          </a:p>
+          <a:p>
+            <a:r>
+              <a:rPr lang="en-US" dirty="0" smtClean="0"/>
+              <a:t>Casey </a:t>
+            </a:r>
+            <a:r>
+              <a:rPr lang="en-US" dirty="0"/>
+              <a:t>Spencer (</a:t>
+            </a:r>
+            <a:r>
+              <a:rPr lang="en-US" dirty="0" smtClean="0"/>
+              <a:t>EE), Chance </a:t>
+            </a:r>
+            <a:r>
+              <a:rPr lang="en-US" dirty="0"/>
+              <a:t>Baker (</a:t>
+            </a:r>
+            <a:r>
+              <a:rPr lang="en-US" dirty="0" smtClean="0"/>
+              <a:t>EE) </a:t>
+            </a:r>
+          </a:p>
+          <a:p>
+            <a:r>
+              <a:rPr lang="en-US" dirty="0" smtClean="0"/>
+              <a:t>Jeffrey </a:t>
+            </a:r>
+            <a:r>
+              <a:rPr lang="en-US" dirty="0"/>
+              <a:t>Burdick (ME)- </a:t>
+            </a:r>
+            <a:r>
+              <a:rPr lang="en-US" dirty="0" smtClean="0"/>
+              <a:t>PM, Nathanial Tyler (ME) </a:t>
             </a:r>
             <a:endParaRPr lang="en-US" dirty="0"/>
           </a:p>
@@ -6740,236 +6789,18 @@
           <a:p>
             <a:fld id="{5C6BB475-B640-4DD3-A1AA-1CF10A44AA06}" type="slidenum">
               <a:rPr lang="en-US" smtClean="0"/>
-              <a:pPr/>
               <a:t>1</a:t>
             </a:fld>
-            <a:endParaRPr lang="en-US" dirty="0"/>
+            <a:endParaRPr lang="en-US"/>
           </a:p>
         </p:txBody>
       </p:sp>
     </p:spTree>
     <p:extLst>
       <p:ext uri="{BB962C8B-B14F-4D97-AF65-F5344CB8AC3E}">
-        <p14:creationId xmlns:p14="http://schemas.microsoft.com/office/powerpoint/2010/main" xmlns="" val="1275909630"/>
+        <p14:creationId xmlns:p14="http://schemas.microsoft.com/office/powerpoint/2010/main" val="1267734708"/>
       </p:ext>
     </p:extLst>
-  </p:cSld>
-  <p:clrMapOvr>
-    <a:masterClrMapping/>
-  </p:clrMapOvr>
-</p:sld>
-</file>
-
-<file path=ppt/slides/slide2.xml><?xml version="1.0" encoding="utf-8"?>
-<p:sld xmlns:a="http://schemas.openxmlformats.org/drawingml/2006/main" xmlns:r="http://schemas.openxmlformats.org/officeDocument/2006/relationships" xmlns:p="http://schemas.openxmlformats.org/presentationml/2006/main">
-  <p:cSld>
-    <p:spTree>
-      <p:nvGrpSpPr>
-        <p:cNvPr id="1" name=""/>
-        <p:cNvGrpSpPr/>
-        <p:nvPr/>
-      </p:nvGrpSpPr>
-      <p:grpSpPr>
-        <a:xfrm>
-          <a:off x="0" y="0"/>
-          <a:ext cx="0" cy="0"/>
-          <a:chOff x="0" y="0"/>
-          <a:chExt cx="0" cy="0"/>
-        </a:xfrm>
-      </p:grpSpPr>
-      <p:sp>
-        <p:nvSpPr>
-          <p:cNvPr id="2" name="Title 1"/>
-          <p:cNvSpPr>
-            <a:spLocks noGrp="1"/>
-          </p:cNvSpPr>
-          <p:nvPr>
-            <p:ph type="title"/>
-          </p:nvPr>
-        </p:nvSpPr>
-        <p:spPr/>
-        <p:txBody>
-          <a:bodyPr/>
-          <a:lstStyle/>
-          <a:p>
-            <a:r>
-              <a:rPr lang="en-US" dirty="0" smtClean="0"/>
-              <a:t>Fuel Economy Estimates</a:t>
-            </a:r>
-            <a:endParaRPr lang="en-US" dirty="0"/>
-          </a:p>
-        </p:txBody>
-      </p:sp>
-      <p:sp>
-        <p:nvSpPr>
-          <p:cNvPr id="4" name="Slide Number Placeholder 3"/>
-          <p:cNvSpPr>
-            <a:spLocks noGrp="1"/>
-          </p:cNvSpPr>
-          <p:nvPr>
-            <p:ph type="sldNum" sz="quarter" idx="12"/>
-          </p:nvPr>
-        </p:nvSpPr>
-        <p:spPr/>
-        <p:txBody>
-          <a:bodyPr/>
-          <a:lstStyle/>
-          <a:p>
-            <a:fld id="{5C6BB475-B640-4DD3-A1AA-1CF10A44AA06}" type="slidenum">
-              <a:rPr lang="en-US" smtClean="0"/>
-              <a:pPr/>
-              <a:t>2</a:t>
-            </a:fld>
-            <a:endParaRPr lang="en-US" dirty="0"/>
-          </a:p>
-        </p:txBody>
-      </p:sp>
-      <p:pic>
-        <p:nvPicPr>
-          <p:cNvPr id="1027" name="Picture 3"/>
-          <p:cNvPicPr>
-            <a:picLocks noGrp="1" noChangeAspect="1" noChangeArrowheads="1"/>
-          </p:cNvPicPr>
-          <p:nvPr>
-            <p:ph idx="1"/>
-          </p:nvPr>
-        </p:nvPicPr>
-        <p:blipFill>
-          <a:blip r:embed="rId2" cstate="print"/>
-          <a:srcRect/>
-          <a:stretch>
-            <a:fillRect/>
-          </a:stretch>
-        </p:blipFill>
-        <p:spPr bwMode="auto">
-          <a:xfrm>
-            <a:off x="2423635" y="2139178"/>
-            <a:ext cx="7973551" cy="3334159"/>
-          </a:xfrm>
-          <a:prstGeom prst="rect">
-            <a:avLst/>
-          </a:prstGeom>
-          <a:noFill/>
-          <a:ln w="9525">
-            <a:noFill/>
-            <a:miter lim="800000"/>
-            <a:headEnd/>
-            <a:tailEnd/>
-          </a:ln>
-        </p:spPr>
-      </p:pic>
-    </p:spTree>
-    <p:extLst>
-      <p:ext uri="{BB962C8B-B14F-4D97-AF65-F5344CB8AC3E}">
-        <p14:creationId xmlns:p14="http://schemas.microsoft.com/office/powerpoint/2010/main" xmlns="" val="5764169"/>
-      </p:ext>
-    </p:extLst>
-  </p:cSld>
-  <p:clrMapOvr>
-    <a:masterClrMapping/>
-  </p:clrMapOvr>
-</p:sld>
-</file>
-
-<file path=ppt/slides/slide3.xml><?xml version="1.0" encoding="utf-8"?>
-<p:sld xmlns:a="http://schemas.openxmlformats.org/drawingml/2006/main" xmlns:r="http://schemas.openxmlformats.org/officeDocument/2006/relationships" xmlns:p="http://schemas.openxmlformats.org/presentationml/2006/main">
-  <p:cSld>
-    <p:spTree>
-      <p:nvGrpSpPr>
-        <p:cNvPr id="1" name=""/>
-        <p:cNvGrpSpPr/>
-        <p:nvPr/>
-      </p:nvGrpSpPr>
-      <p:grpSpPr>
-        <a:xfrm>
-          <a:off x="0" y="0"/>
-          <a:ext cx="0" cy="0"/>
-          <a:chOff x="0" y="0"/>
-          <a:chExt cx="0" cy="0"/>
-        </a:xfrm>
-      </p:grpSpPr>
-      <p:sp>
-        <p:nvSpPr>
-          <p:cNvPr id="2" name="Title 1"/>
-          <p:cNvSpPr>
-            <a:spLocks noGrp="1"/>
-          </p:cNvSpPr>
-          <p:nvPr>
-            <p:ph type="title"/>
-          </p:nvPr>
-        </p:nvSpPr>
-        <p:spPr/>
-        <p:txBody>
-          <a:bodyPr/>
-          <a:lstStyle/>
-          <a:p>
-            <a:r>
-              <a:rPr lang="en-US" dirty="0" smtClean="0"/>
-              <a:t>Sensitivity Coefficients</a:t>
-            </a:r>
-            <a:endParaRPr lang="en-US" dirty="0"/>
-          </a:p>
-        </p:txBody>
-      </p:sp>
-      <p:sp>
-        <p:nvSpPr>
-          <p:cNvPr id="4" name="Slide Number Placeholder 3"/>
-          <p:cNvSpPr>
-            <a:spLocks noGrp="1"/>
-          </p:cNvSpPr>
-          <p:nvPr>
-            <p:ph type="sldNum" sz="quarter" idx="12"/>
-          </p:nvPr>
-        </p:nvSpPr>
-        <p:spPr/>
-        <p:txBody>
-          <a:bodyPr/>
-          <a:lstStyle/>
-          <a:p>
-            <a:fld id="{5C6BB475-B640-4DD3-A1AA-1CF10A44AA06}" type="slidenum">
-              <a:rPr lang="en-US" smtClean="0"/>
-              <a:pPr/>
-              <a:t>3</a:t>
-            </a:fld>
-            <a:endParaRPr lang="en-US" dirty="0"/>
-          </a:p>
-        </p:txBody>
-      </p:sp>
-      <p:pic>
-        <p:nvPicPr>
-          <p:cNvPr id="2050" name="Picture 2"/>
-          <p:cNvPicPr>
-            <a:picLocks noGrp="1" noChangeAspect="1" noChangeArrowheads="1"/>
-          </p:cNvPicPr>
-          <p:nvPr>
-            <p:ph idx="1"/>
-          </p:nvPr>
-        </p:nvPicPr>
-        <p:blipFill>
-          <a:blip r:embed="rId2" cstate="print"/>
-          <a:srcRect/>
-          <a:stretch>
-            <a:fillRect/>
-          </a:stretch>
-        </p:blipFill>
-        <p:spPr bwMode="auto">
-          <a:xfrm>
-            <a:off x="3373406" y="1578111"/>
-            <a:ext cx="6548678" cy="4914128"/>
-          </a:xfrm>
-          <a:prstGeom prst="rect">
-            <a:avLst/>
-          </a:prstGeom>
-          <a:noFill/>
-          <a:ln w="9525">
-            <a:noFill/>
-            <a:miter lim="800000"/>
-            <a:headEnd/>
-            <a:tailEnd/>
-          </a:ln>
-        </p:spPr>
-      </p:pic>
-    </p:spTree>
   </p:cSld>
   <p:clrMapOvr>
     <a:masterClrMapping/>
@@ -6981,701 +6812,6 @@
       </p:par>
     </p:tnLst>
   </p:timing>
-</p:sld>
-</file>
-
-<file path=ppt/slides/slide4.xml><?xml version="1.0" encoding="utf-8"?>
-<p:sld xmlns:a="http://schemas.openxmlformats.org/drawingml/2006/main" xmlns:r="http://schemas.openxmlformats.org/officeDocument/2006/relationships" xmlns:p="http://schemas.openxmlformats.org/presentationml/2006/main">
-  <p:cSld>
-    <p:spTree>
-      <p:nvGrpSpPr>
-        <p:cNvPr id="1" name=""/>
-        <p:cNvGrpSpPr/>
-        <p:nvPr/>
-      </p:nvGrpSpPr>
-      <p:grpSpPr>
-        <a:xfrm>
-          <a:off x="0" y="0"/>
-          <a:ext cx="0" cy="0"/>
-          <a:chOff x="0" y="0"/>
-          <a:chExt cx="0" cy="0"/>
-        </a:xfrm>
-      </p:grpSpPr>
-      <p:sp>
-        <p:nvSpPr>
-          <p:cNvPr id="2" name="Title 1"/>
-          <p:cNvSpPr>
-            <a:spLocks noGrp="1"/>
-          </p:cNvSpPr>
-          <p:nvPr>
-            <p:ph type="title"/>
-          </p:nvPr>
-        </p:nvSpPr>
-        <p:spPr/>
-        <p:txBody>
-          <a:bodyPr/>
-          <a:lstStyle/>
-          <a:p>
-            <a:r>
-              <a:rPr lang="en-US" dirty="0" smtClean="0"/>
-              <a:t>Estimating Fuel Economy</a:t>
-            </a:r>
-            <a:endParaRPr lang="en-US" dirty="0"/>
-          </a:p>
-        </p:txBody>
-      </p:sp>
-      <p:sp>
-        <p:nvSpPr>
-          <p:cNvPr id="4" name="Slide Number Placeholder 3"/>
-          <p:cNvSpPr>
-            <a:spLocks noGrp="1"/>
-          </p:cNvSpPr>
-          <p:nvPr>
-            <p:ph type="sldNum" sz="quarter" idx="12"/>
-          </p:nvPr>
-        </p:nvSpPr>
-        <p:spPr/>
-        <p:txBody>
-          <a:bodyPr/>
-          <a:lstStyle/>
-          <a:p>
-            <a:fld id="{5C6BB475-B640-4DD3-A1AA-1CF10A44AA06}" type="slidenum">
-              <a:rPr lang="en-US" smtClean="0"/>
-              <a:pPr/>
-              <a:t>4</a:t>
-            </a:fld>
-            <a:endParaRPr lang="en-US" dirty="0"/>
-          </a:p>
-        </p:txBody>
-      </p:sp>
-      <p:pic>
-        <p:nvPicPr>
-          <p:cNvPr id="3074" name="Picture 2"/>
-          <p:cNvPicPr>
-            <a:picLocks noGrp="1" noChangeAspect="1" noChangeArrowheads="1"/>
-          </p:cNvPicPr>
-          <p:nvPr>
-            <p:ph idx="1"/>
-          </p:nvPr>
-        </p:nvPicPr>
-        <p:blipFill>
-          <a:blip r:embed="rId2" cstate="print"/>
-          <a:srcRect/>
-          <a:stretch>
-            <a:fillRect/>
-          </a:stretch>
-        </p:blipFill>
-        <p:spPr bwMode="auto">
-          <a:xfrm>
-            <a:off x="2043559" y="2926080"/>
-            <a:ext cx="8823310" cy="1546180"/>
-          </a:xfrm>
-          <a:prstGeom prst="rect">
-            <a:avLst/>
-          </a:prstGeom>
-          <a:noFill/>
-          <a:ln w="9525">
-            <a:noFill/>
-            <a:miter lim="800000"/>
-            <a:headEnd/>
-            <a:tailEnd/>
-          </a:ln>
-        </p:spPr>
-      </p:pic>
-    </p:spTree>
-  </p:cSld>
-  <p:clrMapOvr>
-    <a:masterClrMapping/>
-  </p:clrMapOvr>
-  <p:timing>
-    <p:tnLst>
-      <p:par>
-        <p:cTn id="1" dur="indefinite" restart="never" nodeType="tmRoot"/>
-      </p:par>
-    </p:tnLst>
-  </p:timing>
-</p:sld>
-</file>
-
-<file path=ppt/slides/slide5.xml><?xml version="1.0" encoding="utf-8"?>
-<p:sld xmlns:a="http://schemas.openxmlformats.org/drawingml/2006/main" xmlns:r="http://schemas.openxmlformats.org/officeDocument/2006/relationships" xmlns:p="http://schemas.openxmlformats.org/presentationml/2006/main">
-  <p:cSld>
-    <p:spTree>
-      <p:nvGrpSpPr>
-        <p:cNvPr id="1" name=""/>
-        <p:cNvGrpSpPr/>
-        <p:nvPr/>
-      </p:nvGrpSpPr>
-      <p:grpSpPr>
-        <a:xfrm>
-          <a:off x="0" y="0"/>
-          <a:ext cx="0" cy="0"/>
-          <a:chOff x="0" y="0"/>
-          <a:chExt cx="0" cy="0"/>
-        </a:xfrm>
-      </p:grpSpPr>
-      <p:sp>
-        <p:nvSpPr>
-          <p:cNvPr id="2" name="Title 1"/>
-          <p:cNvSpPr>
-            <a:spLocks noGrp="1"/>
-          </p:cNvSpPr>
-          <p:nvPr>
-            <p:ph type="title"/>
-          </p:nvPr>
-        </p:nvSpPr>
-        <p:spPr/>
-        <p:txBody>
-          <a:bodyPr/>
-          <a:lstStyle/>
-          <a:p>
-            <a:r>
-              <a:rPr lang="en-US" dirty="0" smtClean="0"/>
-              <a:t>Sensitivity Coefficients</a:t>
-            </a:r>
-            <a:endParaRPr lang="en-US" dirty="0"/>
-          </a:p>
-        </p:txBody>
-      </p:sp>
-      <p:sp>
-        <p:nvSpPr>
-          <p:cNvPr id="4" name="Slide Number Placeholder 3"/>
-          <p:cNvSpPr>
-            <a:spLocks noGrp="1"/>
-          </p:cNvSpPr>
-          <p:nvPr>
-            <p:ph type="sldNum" sz="quarter" idx="12"/>
-          </p:nvPr>
-        </p:nvSpPr>
-        <p:spPr/>
-        <p:txBody>
-          <a:bodyPr/>
-          <a:lstStyle/>
-          <a:p>
-            <a:fld id="{5C6BB475-B640-4DD3-A1AA-1CF10A44AA06}" type="slidenum">
-              <a:rPr lang="en-US" smtClean="0"/>
-              <a:pPr/>
-              <a:t>5</a:t>
-            </a:fld>
-            <a:endParaRPr lang="en-US" dirty="0"/>
-          </a:p>
-        </p:txBody>
-      </p:sp>
-      <p:pic>
-        <p:nvPicPr>
-          <p:cNvPr id="4098" name="Picture 2"/>
-          <p:cNvPicPr>
-            <a:picLocks noGrp="1" noChangeAspect="1" noChangeArrowheads="1"/>
-          </p:cNvPicPr>
-          <p:nvPr>
-            <p:ph idx="1"/>
-          </p:nvPr>
-        </p:nvPicPr>
-        <p:blipFill>
-          <a:blip r:embed="rId2" cstate="print"/>
-          <a:srcRect/>
-          <a:stretch>
-            <a:fillRect/>
-          </a:stretch>
-        </p:blipFill>
-        <p:spPr bwMode="auto">
-          <a:xfrm>
-            <a:off x="2497386" y="2252254"/>
-            <a:ext cx="8049039" cy="3142706"/>
-          </a:xfrm>
-          <a:prstGeom prst="rect">
-            <a:avLst/>
-          </a:prstGeom>
-          <a:noFill/>
-          <a:ln w="9525">
-            <a:noFill/>
-            <a:miter lim="800000"/>
-            <a:headEnd/>
-            <a:tailEnd/>
-          </a:ln>
-        </p:spPr>
-      </p:pic>
-    </p:spTree>
-  </p:cSld>
-  <p:clrMapOvr>
-    <a:masterClrMapping/>
-  </p:clrMapOvr>
-</p:sld>
-</file>
-
-<file path=ppt/slides/slide6.xml><?xml version="1.0" encoding="utf-8"?>
-<p:sld xmlns:a="http://schemas.openxmlformats.org/drawingml/2006/main" xmlns:r="http://schemas.openxmlformats.org/officeDocument/2006/relationships" xmlns:p="http://schemas.openxmlformats.org/presentationml/2006/main">
-  <p:cSld>
-    <p:spTree>
-      <p:nvGrpSpPr>
-        <p:cNvPr id="1" name=""/>
-        <p:cNvGrpSpPr/>
-        <p:nvPr/>
-      </p:nvGrpSpPr>
-      <p:grpSpPr>
-        <a:xfrm>
-          <a:off x="0" y="0"/>
-          <a:ext cx="0" cy="0"/>
-          <a:chOff x="0" y="0"/>
-          <a:chExt cx="0" cy="0"/>
-        </a:xfrm>
-      </p:grpSpPr>
-      <p:sp>
-        <p:nvSpPr>
-          <p:cNvPr id="2" name="Title 1"/>
-          <p:cNvSpPr>
-            <a:spLocks noGrp="1"/>
-          </p:cNvSpPr>
-          <p:nvPr>
-            <p:ph type="title"/>
-          </p:nvPr>
-        </p:nvSpPr>
-        <p:spPr/>
-        <p:txBody>
-          <a:bodyPr/>
-          <a:lstStyle/>
-          <a:p>
-            <a:r>
-              <a:rPr lang="en-US" dirty="0" smtClean="0"/>
-              <a:t>Fuel Econ vs. Control Parameters</a:t>
-            </a:r>
-            <a:endParaRPr lang="en-US" dirty="0"/>
-          </a:p>
-        </p:txBody>
-      </p:sp>
-      <p:sp>
-        <p:nvSpPr>
-          <p:cNvPr id="4" name="Slide Number Placeholder 3"/>
-          <p:cNvSpPr>
-            <a:spLocks noGrp="1"/>
-          </p:cNvSpPr>
-          <p:nvPr>
-            <p:ph type="sldNum" sz="quarter" idx="12"/>
-          </p:nvPr>
-        </p:nvSpPr>
-        <p:spPr/>
-        <p:txBody>
-          <a:bodyPr/>
-          <a:lstStyle/>
-          <a:p>
-            <a:fld id="{5C6BB475-B640-4DD3-A1AA-1CF10A44AA06}" type="slidenum">
-              <a:rPr lang="en-US" smtClean="0"/>
-              <a:pPr/>
-              <a:t>6</a:t>
-            </a:fld>
-            <a:endParaRPr lang="en-US" dirty="0"/>
-          </a:p>
-        </p:txBody>
-      </p:sp>
-      <p:pic>
-        <p:nvPicPr>
-          <p:cNvPr id="5122" name="Picture 2"/>
-          <p:cNvPicPr>
-            <a:picLocks noGrp="1" noChangeAspect="1" noChangeArrowheads="1"/>
-          </p:cNvPicPr>
-          <p:nvPr>
-            <p:ph idx="1"/>
-          </p:nvPr>
-        </p:nvPicPr>
-        <p:blipFill>
-          <a:blip r:embed="rId2" cstate="print"/>
-          <a:srcRect/>
-          <a:stretch>
-            <a:fillRect/>
-          </a:stretch>
-        </p:blipFill>
-        <p:spPr bwMode="auto">
-          <a:xfrm>
-            <a:off x="4013354" y="1630362"/>
-            <a:ext cx="5934088" cy="4796563"/>
-          </a:xfrm>
-          <a:prstGeom prst="rect">
-            <a:avLst/>
-          </a:prstGeom>
-          <a:noFill/>
-          <a:ln w="9525">
-            <a:noFill/>
-            <a:miter lim="800000"/>
-            <a:headEnd/>
-            <a:tailEnd/>
-          </a:ln>
-        </p:spPr>
-      </p:pic>
-    </p:spTree>
-  </p:cSld>
-  <p:clrMapOvr>
-    <a:masterClrMapping/>
-  </p:clrMapOvr>
-</p:sld>
-</file>
-
-<file path=ppt/slides/slide7.xml><?xml version="1.0" encoding="utf-8"?>
-<p:sld xmlns:a="http://schemas.openxmlformats.org/drawingml/2006/main" xmlns:r="http://schemas.openxmlformats.org/officeDocument/2006/relationships" xmlns:p="http://schemas.openxmlformats.org/presentationml/2006/main">
-  <p:cSld>
-    <p:spTree>
-      <p:nvGrpSpPr>
-        <p:cNvPr id="1" name=""/>
-        <p:cNvGrpSpPr/>
-        <p:nvPr/>
-      </p:nvGrpSpPr>
-      <p:grpSpPr>
-        <a:xfrm>
-          <a:off x="0" y="0"/>
-          <a:ext cx="0" cy="0"/>
-          <a:chOff x="0" y="0"/>
-          <a:chExt cx="0" cy="0"/>
-        </a:xfrm>
-      </p:grpSpPr>
-      <p:sp>
-        <p:nvSpPr>
-          <p:cNvPr id="2" name="Title 1"/>
-          <p:cNvSpPr>
-            <a:spLocks noGrp="1"/>
-          </p:cNvSpPr>
-          <p:nvPr>
-            <p:ph type="title"/>
-          </p:nvPr>
-        </p:nvSpPr>
-        <p:spPr/>
-        <p:txBody>
-          <a:bodyPr/>
-          <a:lstStyle/>
-          <a:p>
-            <a:r>
-              <a:rPr lang="en-US" dirty="0" smtClean="0"/>
-              <a:t>Conclusions</a:t>
-            </a:r>
-            <a:endParaRPr lang="en-US" dirty="0"/>
-          </a:p>
-        </p:txBody>
-      </p:sp>
-      <p:sp>
-        <p:nvSpPr>
-          <p:cNvPr id="3" name="Content Placeholder 2"/>
-          <p:cNvSpPr>
-            <a:spLocks noGrp="1"/>
-          </p:cNvSpPr>
-          <p:nvPr>
-            <p:ph idx="1"/>
-          </p:nvPr>
-        </p:nvSpPr>
-        <p:spPr>
-          <a:xfrm>
-            <a:off x="1541989" y="1629636"/>
-            <a:ext cx="10018713" cy="4819290"/>
-          </a:xfrm>
-        </p:spPr>
-        <p:txBody>
-          <a:bodyPr>
-            <a:normAutofit fontScale="85000" lnSpcReduction="20000"/>
-          </a:bodyPr>
-          <a:lstStyle/>
-          <a:p>
-            <a:pPr marL="514350" indent="-514350">
-              <a:buFont typeface="+mj-lt"/>
-              <a:buAutoNum type="arabicPeriod"/>
-            </a:pPr>
-            <a:r>
-              <a:rPr lang="en-US" dirty="0" smtClean="0"/>
-              <a:t>“The parallel hybrid defined here achieves fuel economy that is 24% better than the ICEV while the series betters the ICEV by 18%.”</a:t>
-            </a:r>
-          </a:p>
-          <a:p>
-            <a:pPr marL="514350" indent="-514350">
-              <a:buFont typeface="+mj-lt"/>
-              <a:buAutoNum type="arabicPeriod"/>
-            </a:pPr>
-            <a:r>
-              <a:rPr lang="en-US" dirty="0" smtClean="0"/>
-              <a:t>“The parallel hybrid is 4% more fuel-efficient than the series hybrid.”</a:t>
-            </a:r>
-          </a:p>
-          <a:p>
-            <a:pPr marL="514350" indent="-514350">
-              <a:buFont typeface="+mj-lt"/>
-              <a:buAutoNum type="arabicPeriod"/>
-            </a:pPr>
-            <a:r>
-              <a:rPr lang="en-US" dirty="0" smtClean="0"/>
-              <a:t>“Lightweight midsized hybrid vehicles with low aerodynamic drag and rolling resistance using near- to mid-term technology can achieve 30km/L (70.6MPG) (gasoline-equivalent).”</a:t>
-            </a:r>
-          </a:p>
-          <a:p>
-            <a:pPr marL="514350" indent="-514350">
-              <a:buFont typeface="+mj-lt"/>
-              <a:buAutoNum type="arabicPeriod"/>
-            </a:pPr>
-            <a:r>
-              <a:rPr lang="en-US" dirty="0" smtClean="0"/>
-              <a:t>“The series hybrid control strategy strongly influences its fuel economy and a ‘thermostat’ control strategy, neglecting thermal transient effects, is among the best of those examined here, considering fuel only.”</a:t>
-            </a:r>
-            <a:endParaRPr lang="en-US" dirty="0"/>
-          </a:p>
-        </p:txBody>
-      </p:sp>
-      <p:sp>
-        <p:nvSpPr>
-          <p:cNvPr id="4" name="Slide Number Placeholder 3"/>
-          <p:cNvSpPr>
-            <a:spLocks noGrp="1"/>
-          </p:cNvSpPr>
-          <p:nvPr>
-            <p:ph type="sldNum" sz="quarter" idx="12"/>
-          </p:nvPr>
-        </p:nvSpPr>
-        <p:spPr/>
-        <p:txBody>
-          <a:bodyPr/>
-          <a:lstStyle/>
-          <a:p>
-            <a:fld id="{5C6BB475-B640-4DD3-A1AA-1CF10A44AA06}" type="slidenum">
-              <a:rPr lang="en-US" smtClean="0"/>
-              <a:pPr/>
-              <a:t>7</a:t>
-            </a:fld>
-            <a:endParaRPr lang="en-US" dirty="0"/>
-          </a:p>
-        </p:txBody>
-      </p:sp>
-    </p:spTree>
-  </p:cSld>
-  <p:clrMapOvr>
-    <a:masterClrMapping/>
-  </p:clrMapOvr>
-</p:sld>
-</file>
-
-<file path=ppt/slides/slide8.xml><?xml version="1.0" encoding="utf-8"?>
-<p:sld xmlns:a="http://schemas.openxmlformats.org/drawingml/2006/main" xmlns:r="http://schemas.openxmlformats.org/officeDocument/2006/relationships" xmlns:p="http://schemas.openxmlformats.org/presentationml/2006/main">
-  <p:cSld>
-    <p:spTree>
-      <p:nvGrpSpPr>
-        <p:cNvPr id="1" name=""/>
-        <p:cNvGrpSpPr/>
-        <p:nvPr/>
-      </p:nvGrpSpPr>
-      <p:grpSpPr>
-        <a:xfrm>
-          <a:off x="0" y="0"/>
-          <a:ext cx="0" cy="0"/>
-          <a:chOff x="0" y="0"/>
-          <a:chExt cx="0" cy="0"/>
-        </a:xfrm>
-      </p:grpSpPr>
-      <p:sp>
-        <p:nvSpPr>
-          <p:cNvPr id="2" name="Title 1"/>
-          <p:cNvSpPr>
-            <a:spLocks noGrp="1"/>
-          </p:cNvSpPr>
-          <p:nvPr>
-            <p:ph type="title"/>
-          </p:nvPr>
-        </p:nvSpPr>
-        <p:spPr/>
-        <p:txBody>
-          <a:bodyPr/>
-          <a:lstStyle/>
-          <a:p>
-            <a:r>
-              <a:rPr lang="en-US" dirty="0" smtClean="0"/>
-              <a:t>Conclusions cont.</a:t>
-            </a:r>
-            <a:endParaRPr lang="en-US" dirty="0"/>
-          </a:p>
-        </p:txBody>
-      </p:sp>
-      <p:sp>
-        <p:nvSpPr>
-          <p:cNvPr id="3" name="Content Placeholder 2"/>
-          <p:cNvSpPr>
-            <a:spLocks noGrp="1"/>
-          </p:cNvSpPr>
-          <p:nvPr>
-            <p:ph idx="1"/>
-          </p:nvPr>
-        </p:nvSpPr>
-        <p:spPr>
-          <a:xfrm>
-            <a:off x="1541989" y="1472882"/>
-            <a:ext cx="10018713" cy="5058547"/>
-          </a:xfrm>
-        </p:spPr>
-        <p:txBody>
-          <a:bodyPr>
-            <a:normAutofit fontScale="85000" lnSpcReduction="20000"/>
-          </a:bodyPr>
-          <a:lstStyle/>
-          <a:p>
-            <a:pPr marL="514350" indent="-514350">
-              <a:buFont typeface="+mj-lt"/>
-              <a:buAutoNum type="arabicPeriod" startAt="5"/>
-            </a:pPr>
-            <a:r>
-              <a:rPr lang="en-US" dirty="0" smtClean="0"/>
-              <a:t>“When a series hybrid uses on HPU capable of following motor power demands on a second-by-second basis, a control strategy can be used that reduces the sensitivity of fuel economy to battery efficiency to the same level as in a parallel hybrid.”</a:t>
-            </a:r>
-          </a:p>
-          <a:p>
-            <a:pPr marL="514350" indent="-514350">
-              <a:buFont typeface="+mj-lt"/>
-              <a:buAutoNum type="arabicPeriod" startAt="5"/>
-            </a:pPr>
-            <a:r>
-              <a:rPr lang="en-US" dirty="0" smtClean="0"/>
-              <a:t>“The parallel and series hybrid fuel economies are not strongly dependent upon component specific power, but series hybrids are more sensitive to battery and motor specific power than are parallel.”</a:t>
-            </a:r>
-          </a:p>
-          <a:p>
-            <a:pPr marL="514350" indent="-514350">
-              <a:buFont typeface="+mj-lt"/>
-              <a:buAutoNum type="arabicPeriod" startAt="5"/>
-            </a:pPr>
-            <a:r>
-              <a:rPr lang="en-US" dirty="0" smtClean="0"/>
-              <a:t>“The series hybrid’s fuel economy is less sensitive to regenerative braking effectiveness than to any other vehicle-level parameter, and the parallel hybrids fuel economy is less sensitive only to motor efficiency that to regenerative braking effectiveness. Doubling regenerative braking capture and parallel hybrid fuel economy by 7%.”</a:t>
-            </a:r>
-          </a:p>
-        </p:txBody>
-      </p:sp>
-      <p:sp>
-        <p:nvSpPr>
-          <p:cNvPr id="4" name="Slide Number Placeholder 3"/>
-          <p:cNvSpPr>
-            <a:spLocks noGrp="1"/>
-          </p:cNvSpPr>
-          <p:nvPr>
-            <p:ph type="sldNum" sz="quarter" idx="12"/>
-          </p:nvPr>
-        </p:nvSpPr>
-        <p:spPr/>
-        <p:txBody>
-          <a:bodyPr/>
-          <a:lstStyle/>
-          <a:p>
-            <a:fld id="{5C6BB475-B640-4DD3-A1AA-1CF10A44AA06}" type="slidenum">
-              <a:rPr lang="en-US" smtClean="0"/>
-              <a:pPr/>
-              <a:t>8</a:t>
-            </a:fld>
-            <a:endParaRPr lang="en-US" dirty="0"/>
-          </a:p>
-        </p:txBody>
-      </p:sp>
-    </p:spTree>
-  </p:cSld>
-  <p:clrMapOvr>
-    <a:masterClrMapping/>
-  </p:clrMapOvr>
-</p:sld>
-</file>
-
-<file path=ppt/slides/slide9.xml><?xml version="1.0" encoding="utf-8"?>
-<p:sld xmlns:a="http://schemas.openxmlformats.org/drawingml/2006/main" xmlns:r="http://schemas.openxmlformats.org/officeDocument/2006/relationships" xmlns:p="http://schemas.openxmlformats.org/presentationml/2006/main">
-  <p:cSld>
-    <p:spTree>
-      <p:nvGrpSpPr>
-        <p:cNvPr id="1" name=""/>
-        <p:cNvGrpSpPr/>
-        <p:nvPr/>
-      </p:nvGrpSpPr>
-      <p:grpSpPr>
-        <a:xfrm>
-          <a:off x="0" y="0"/>
-          <a:ext cx="0" cy="0"/>
-          <a:chOff x="0" y="0"/>
-          <a:chExt cx="0" cy="0"/>
-        </a:xfrm>
-      </p:grpSpPr>
-      <p:sp>
-        <p:nvSpPr>
-          <p:cNvPr id="2" name="Title 1"/>
-          <p:cNvSpPr>
-            <a:spLocks noGrp="1"/>
-          </p:cNvSpPr>
-          <p:nvPr>
-            <p:ph type="title"/>
-          </p:nvPr>
-        </p:nvSpPr>
-        <p:spPr/>
-        <p:txBody>
-          <a:bodyPr/>
-          <a:lstStyle/>
-          <a:p>
-            <a:r>
-              <a:rPr lang="en-US" dirty="0" smtClean="0"/>
-              <a:t>Conclusions cont.</a:t>
-            </a:r>
-            <a:endParaRPr lang="en-US" dirty="0"/>
-          </a:p>
-        </p:txBody>
-      </p:sp>
-      <p:sp>
-        <p:nvSpPr>
-          <p:cNvPr id="3" name="Content Placeholder 2"/>
-          <p:cNvSpPr>
-            <a:spLocks noGrp="1"/>
-          </p:cNvSpPr>
-          <p:nvPr>
-            <p:ph idx="1"/>
-          </p:nvPr>
-        </p:nvSpPr>
-        <p:spPr/>
-        <p:txBody>
-          <a:bodyPr/>
-          <a:lstStyle/>
-          <a:p>
-            <a:pPr marL="514350" indent="-514350">
-              <a:buFont typeface="+mj-lt"/>
-              <a:buAutoNum type="arabicPeriod" startAt="8"/>
-            </a:pPr>
-            <a:r>
-              <a:rPr lang="en-US" dirty="0" smtClean="0"/>
-              <a:t>“This parallel hybrid’s fuel economy is not significantly changed by connecting the motor directly to the differential rather than to the 5-speed transmission.”</a:t>
-            </a:r>
-          </a:p>
-          <a:p>
-            <a:pPr marL="514350" indent="-514350">
-              <a:buFont typeface="+mj-lt"/>
-              <a:buAutoNum type="arabicPeriod" startAt="8"/>
-            </a:pPr>
-            <a:r>
-              <a:rPr lang="en-US" dirty="0" smtClean="0"/>
-              <a:t>“Control strategy development for a charge-sustaining parallel HV is challenging and warrants further investigation.”</a:t>
-            </a:r>
-            <a:endParaRPr lang="en-US" dirty="0"/>
-          </a:p>
-        </p:txBody>
-      </p:sp>
-      <p:sp>
-        <p:nvSpPr>
-          <p:cNvPr id="4" name="Slide Number Placeholder 3"/>
-          <p:cNvSpPr>
-            <a:spLocks noGrp="1"/>
-          </p:cNvSpPr>
-          <p:nvPr>
-            <p:ph type="sldNum" sz="quarter" idx="12"/>
-          </p:nvPr>
-        </p:nvSpPr>
-        <p:spPr/>
-        <p:txBody>
-          <a:bodyPr/>
-          <a:lstStyle/>
-          <a:p>
-            <a:fld id="{5C6BB475-B640-4DD3-A1AA-1CF10A44AA06}" type="slidenum">
-              <a:rPr lang="en-US" smtClean="0"/>
-              <a:pPr/>
-              <a:t>9</a:t>
-            </a:fld>
-            <a:endParaRPr lang="en-US" dirty="0"/>
-          </a:p>
-        </p:txBody>
-      </p:sp>
-    </p:spTree>
-  </p:cSld>
-  <p:clrMapOvr>
-    <a:masterClrMapping/>
-  </p:clrMapOvr>
 </p:sld>
 </file>
 
@@ -7929,7 +7065,7 @@
   <a:extraClrSchemeLst/>
   <a:extLst>
     <a:ext uri="{05A4C25C-085E-4340-85A3-A5531E510DB2}">
-      <thm15:themeFamily xmlns:thm15="http://schemas.microsoft.com/office/thememl/2012/main" xmlns="" name="Parallax" id="{3388167B-A2EB-4685-9635-1831D9AEF8C4}" vid="{93B4CCAC-FD5A-4D59-B1AC-EAF45910B5A9}"/>
+      <thm15:themeFamily xmlns:thm15="http://schemas.microsoft.com/office/thememl/2012/main" name="Parallax" id="{3388167B-A2EB-4685-9635-1831D9AEF8C4}" vid="{93B4CCAC-FD5A-4D59-B1AC-EAF45910B5A9}"/>
     </a:ext>
   </a:extLst>
 </a:theme>
@@ -8190,7 +7326,7 @@
   <a:extraClrSchemeLst/>
   <a:extLst>
     <a:ext uri="{05A4C25C-085E-4340-85A3-A5531E510DB2}">
-      <thm15:themeFamily xmlns:thm15="http://schemas.microsoft.com/office/thememl/2012/main" xmlns="" name="Office Theme" id="{62F939B6-93AF-4DB8-9C6B-D6C7DFDC589F}" vid="{4A3C46E8-61CC-4603-A589-7422A47A8E4A}"/>
+      <thm15:themeFamily xmlns:thm15="http://schemas.microsoft.com/office/thememl/2012/main" name="Office Theme" id="{62F939B6-93AF-4DB8-9C6B-D6C7DFDC589F}" vid="{4A3C46E8-61CC-4603-A589-7422A47A8E4A}"/>
     </a:ext>
   </a:extLst>
 </a:theme>
@@ -8337,18 +7473,18 @@
 </file>
 
 <file path=customXml/item2.xml><?xml version="1.0" encoding="utf-8"?>
-<p:properties xmlns:p="http://schemas.microsoft.com/office/2006/metadata/properties" xmlns:xsi="http://www.w3.org/2001/XMLSchema-instance" xmlns:pc="http://schemas.microsoft.com/office/infopath/2007/PartnerControls">
-  <documentManagement/>
-</p:properties>
-</file>
-
-<file path=customXml/item3.xml><?xml version="1.0" encoding="utf-8"?>
 <?mso-contentType ?>
 <FormTemplates xmlns="http://schemas.microsoft.com/sharepoint/v3/contenttype/forms">
   <Display>DocumentLibraryForm</Display>
   <Edit>DocumentLibraryForm</Edit>
   <New>DocumentLibraryForm</New>
 </FormTemplates>
+</file>
+
+<file path=customXml/item3.xml><?xml version="1.0" encoding="utf-8"?>
+<p:properties xmlns:p="http://schemas.microsoft.com/office/2006/metadata/properties" xmlns:xsi="http://www.w3.org/2001/XMLSchema-instance" xmlns:pc="http://schemas.microsoft.com/office/infopath/2007/PartnerControls">
+  <documentManagement/>
+</p:properties>
 </file>
 
 <file path=customXml/itemProps1.xml><?xml version="1.0" encoding="utf-8"?>
@@ -8370,18 +7506,18 @@
 </file>
 
 <file path=customXml/itemProps2.xml><?xml version="1.0" encoding="utf-8"?>
+<ds:datastoreItem xmlns:ds="http://schemas.openxmlformats.org/officeDocument/2006/customXml" ds:itemID="{A1EF12E8-B070-4F5F-9BD0-CEE0E7C075D0}">
+  <ds:schemaRefs>
+    <ds:schemaRef ds:uri="http://schemas.microsoft.com/sharepoint/v3/contenttype/forms"/>
+  </ds:schemaRefs>
+</ds:datastoreItem>
+</file>
+
+<file path=customXml/itemProps3.xml><?xml version="1.0" encoding="utf-8"?>
 <ds:datastoreItem xmlns:ds="http://schemas.openxmlformats.org/officeDocument/2006/customXml" ds:itemID="{7D5E529B-E2B8-4FF4-96DC-717B6A9731D6}">
   <ds:schemaRefs>
     <ds:schemaRef ds:uri="http://schemas.microsoft.com/office/2006/metadata/properties"/>
     <ds:schemaRef ds:uri="http://schemas.microsoft.com/office/infopath/2007/PartnerControls"/>
   </ds:schemaRefs>
 </ds:datastoreItem>
-</file>
-
-<file path=customXml/itemProps3.xml><?xml version="1.0" encoding="utf-8"?>
-<ds:datastoreItem xmlns:ds="http://schemas.openxmlformats.org/officeDocument/2006/customXml" ds:itemID="{A1EF12E8-B070-4F5F-9BD0-CEE0E7C075D0}">
-  <ds:schemaRefs>
-    <ds:schemaRef ds:uri="http://schemas.microsoft.com/sharepoint/v3/contenttype/forms"/>
-  </ds:schemaRefs>
-</ds:datastoreItem>
 </file>